--- a/ShapeCrawler.Tests/Resource/008.pptx
+++ b/ShapeCrawler.Tests/Resource/008.pptx
@@ -107,6 +107,23 @@
       </a:defRPr>
     </a:lvl9pPr>
   </p:defaultTextStyle>
+  <p:extLst>
+    <p:ext uri="{521415D9-36F7-43E2-AB2F-B90AF26B5E84}">
+      <p14:sectionLst xmlns:p14="http://schemas.microsoft.com/office/powerpoint/2010/main">
+        <p14:section name="Section 1" id="{BE7B9E51-97B6-46FC-A0B8-5CF74AD99BFD}">
+          <p14:sldIdLst>
+            <p14:sldId id="256"/>
+          </p14:sldIdLst>
+        </p14:section>
+        <p14:section name="Section 2" id="{E81A0281-9FE9-46F9-80CA-71F56F042F18}">
+          <p14:sldIdLst/>
+        </p14:section>
+      </p14:sectionLst>
+    </p:ext>
+    <p:ext uri="{EFAFB233-063F-42B5-8137-9DF3F51BA10A}">
+      <p15:sldGuideLst xmlns:p15="http://schemas.microsoft.com/office/powerpoint/2012/main"/>
+    </p:ext>
+  </p:extLst>
 </p:presentation>
 </file>
 
@@ -192,7 +209,7 @@
           <a:p>
             <a:fld id="{6643A5C1-FF59-478F-A216-1B3BDF75519A}" type="datetimeFigureOut">
               <a:rPr lang="ru-UA" smtClean="0"/>
-              <a:t>25.01.2020</a:t>
+              <a:t>05/14/2022</a:t>
             </a:fld>
             <a:endParaRPr lang="ru-UA"/>
           </a:p>
@@ -461,7 +478,7 @@
 </file>
 
 <file path=ppt/slideLayouts/slideLayout1.xml><?xml version="1.0" encoding="utf-8"?>
-<p:sldLayout xmlns:a16="http://schemas.microsoft.com/office/drawing/2014/main" xmlns:p14="http://schemas.microsoft.com/office/powerpoint/2010/main" xmlns:a="http://schemas.openxmlformats.org/drawingml/2006/main" xmlns:r="http://schemas.openxmlformats.org/officeDocument/2006/relationships" xmlns:p="http://schemas.openxmlformats.org/presentationml/2006/main" preserve="1" userDrawn="1">
+<p:sldLayout xmlns:a="http://schemas.openxmlformats.org/drawingml/2006/main" xmlns:r="http://schemas.openxmlformats.org/officeDocument/2006/relationships" xmlns:p="http://schemas.openxmlformats.org/presentationml/2006/main" preserve="1" userDrawn="1">
   <p:cSld name="Пользовательский макет">
     <p:spTree>
       <p:nvGrpSpPr>
@@ -537,7 +554,7 @@
           <a:p>
             <a:fld id="{1B77F1EA-A28E-4D68-96FE-34F62A372CDB}" type="datetime1">
               <a:rPr lang="ru-UA" smtClean="0"/>
-              <a:t>25.01.2020</a:t>
+              <a:t>05/14/2022</a:t>
             </a:fld>
             <a:endParaRPr lang="ru-UA"/>
           </a:p>
@@ -557,7 +574,7 @@
 </file>
 
 <file path=ppt/slideMasters/slideMaster1.xml><?xml version="1.0" encoding="utf-8"?>
-<p:sldMaster xmlns:a16="http://schemas.microsoft.com/office/drawing/2014/main" xmlns:a="http://schemas.openxmlformats.org/drawingml/2006/main" xmlns:r="http://schemas.openxmlformats.org/officeDocument/2006/relationships" xmlns:p="http://schemas.openxmlformats.org/presentationml/2006/main">
+<p:sldMaster xmlns:a="http://schemas.openxmlformats.org/drawingml/2006/main" xmlns:r="http://schemas.openxmlformats.org/officeDocument/2006/relationships" xmlns:p="http://schemas.openxmlformats.org/presentationml/2006/main">
   <p:cSld>
     <p:bg>
       <p:bgPr>
@@ -622,7 +639,7 @@
           <a:p>
             <a:fld id="{A9FFDF2F-4147-4231-9A8F-F7CA15E6680D}" type="datetime1">
               <a:rPr lang="ru-UA" smtClean="0"/>
-              <a:t>25.01.2020</a:t>
+              <a:t>05/14/2022</a:t>
             </a:fld>
             <a:endParaRPr lang="ru-UA"/>
           </a:p>
@@ -919,7 +936,7 @@
 </file>
 
 <file path=ppt/slides/slide1.xml><?xml version="1.0" encoding="utf-8"?>
-<p:sld xmlns:a16="http://schemas.microsoft.com/office/drawing/2014/main" xmlns:a="http://schemas.openxmlformats.org/drawingml/2006/main" xmlns:r="http://schemas.openxmlformats.org/officeDocument/2006/relationships" xmlns:p="http://schemas.openxmlformats.org/presentationml/2006/main">
+<p:sld xmlns:a="http://schemas.openxmlformats.org/drawingml/2006/main" xmlns:r="http://schemas.openxmlformats.org/officeDocument/2006/relationships" xmlns:p="http://schemas.openxmlformats.org/presentationml/2006/main">
   <p:cSld>
     <p:spTree>
       <p:nvGrpSpPr>
@@ -1098,7 +1115,7 @@
           <a:p>
             <a:fld id="{96A3F98C-A836-4DD5-B3E3-3C266B70917C}" type="datetime1">
               <a:rPr lang="ru-UA" smtClean="0"/>
-              <a:t>25.01.2020</a:t>
+              <a:t>05/14/2022</a:t>
             </a:fld>
             <a:endParaRPr lang="ru-UA"/>
           </a:p>

--- a/ShapeCrawler.Tests/Resource/008.pptx
+++ b/ShapeCrawler.Tests/Resource/008.pptx
@@ -209,7 +209,7 @@
           <a:p>
             <a:fld id="{6643A5C1-FF59-478F-A216-1B3BDF75519A}" type="datetimeFigureOut">
               <a:rPr lang="ru-UA" smtClean="0"/>
-              <a:t>05/14/2022</a:t>
+              <a:t>07/29/2022</a:t>
             </a:fld>
             <a:endParaRPr lang="ru-UA"/>
           </a:p>
@@ -554,7 +554,7 @@
           <a:p>
             <a:fld id="{1B77F1EA-A28E-4D68-96FE-34F62A372CDB}" type="datetime1">
               <a:rPr lang="ru-UA" smtClean="0"/>
-              <a:t>05/14/2022</a:t>
+              <a:t>07/29/2022</a:t>
             </a:fld>
             <a:endParaRPr lang="ru-UA"/>
           </a:p>
@@ -639,7 +639,7 @@
           <a:p>
             <a:fld id="{A9FFDF2F-4147-4231-9A8F-F7CA15E6680D}" type="datetime1">
               <a:rPr lang="ru-UA" smtClean="0"/>
-              <a:t>05/14/2022</a:t>
+              <a:t>07/29/2022</a:t>
             </a:fld>
             <a:endParaRPr lang="ru-UA"/>
           </a:p>
@@ -1115,9 +1115,58 @@
           <a:p>
             <a:fld id="{96A3F98C-A836-4DD5-B3E3-3C266B70917C}" type="datetime1">
               <a:rPr lang="ru-UA" smtClean="0"/>
-              <a:t>05/14/2022</a:t>
+              <a:t>07/29/2022</a:t>
             </a:fld>
             <a:endParaRPr lang="ru-UA"/>
+          </a:p>
+        </p:txBody>
+      </p:sp>
+      <p:sp>
+        <p:nvSpPr>
+          <p:cNvPr id="2" name="AutoShape 1">
+            <a:extLst>
+              <a:ext uri="{FF2B5EF4-FFF2-40B4-BE49-F238E27FC236}">
+                <a16:creationId xmlns:a16="http://schemas.microsoft.com/office/drawing/2014/main" id="{621E3B70-8387-42D7-B0B4-24E10C592882}"/>
+              </a:ext>
+            </a:extLst>
+          </p:cNvPr>
+          <p:cNvSpPr/>
+          <p:nvPr/>
+        </p:nvSpPr>
+        <p:spPr>
+          <a:xfrm>
+            <a:off x="1433383" y="308919"/>
+            <a:ext cx="920579" cy="512805"/>
+          </a:xfrm>
+          <a:prstGeom prst="rect">
+            <a:avLst/>
+          </a:prstGeom>
+          <a:noFill/>
+        </p:spPr>
+        <p:style>
+          <a:lnRef idx="2">
+            <a:schemeClr val="dk1"/>
+          </a:lnRef>
+          <a:fillRef idx="1">
+            <a:schemeClr val="lt1"/>
+          </a:fillRef>
+          <a:effectRef idx="0">
+            <a:schemeClr val="dk1"/>
+          </a:effectRef>
+          <a:fontRef idx="minor">
+            <a:schemeClr val="dk1"/>
+          </a:fontRef>
+        </p:style>
+        <p:txBody>
+          <a:bodyPr rtlCol="0" anchor="ctr"/>
+          <a:lstStyle/>
+          <a:p>
+            <a:pPr algn="ctr"/>
+            <a:r>
+              <a:rPr lang="en-US" sz="1000" dirty="0"/>
+              <a:t>AutoShape 1</a:t>
+            </a:r>
+            <a:endParaRPr lang="de-DE" sz="1000" dirty="0"/>
           </a:p>
         </p:txBody>
       </p:sp>
